--- a/NEURON_tutorial.pptx
+++ b/NEURON_tutorial.pptx
@@ -268,6 +268,11 @@
       </a:defRPr>
     </a:lvl9pPr>
   </p:defaultTextStyle>
+  <p:extLst>
+    <p:ext uri="{EFAFB233-063F-42B5-8137-9DF3F51BA10A}">
+      <p15:sldGuideLst xmlns:p15="http://schemas.microsoft.com/office/powerpoint/2012/main"/>
+    </p:ext>
+  </p:extLst>
 </p:presentation>
 </file>
 
@@ -19479,8 +19484,8 @@
         </p:nvSpPr>
         <p:spPr>
           <a:xfrm>
-            <a:off x="252625" y="5409975"/>
-            <a:ext cx="3815700" cy="1448100"/>
+            <a:off x="252625" y="5149516"/>
+            <a:ext cx="5498470" cy="1708559"/>
           </a:xfrm>
           <a:prstGeom prst="rect">
             <a:avLst/>
@@ -19506,7 +19511,7 @@
               <a:buNone/>
             </a:pPr>
             <a:r>
-              <a:rPr lang="en-US" sz="1800" b="0" i="0" u="none" strike="noStrike" cap="none">
+              <a:rPr lang="en-US" sz="1800" b="0" i="0" u="none" strike="noStrike" cap="none" dirty="0">
                 <a:solidFill>
                   <a:srgbClr val="000000"/>
                 </a:solidFill>
@@ -19515,19 +19520,22 @@
                 <a:cs typeface="Century Gothic"/>
                 <a:sym typeface="Century Gothic"/>
               </a:rPr>
-              <a:t>Oren Amsalem a</a:t>
-            </a:r>
-            <a:r>
-              <a:rPr lang="en-US" sz="1800">
+              <a:t>Oren Amsalem, </a:t>
+            </a:r>
+            <a:r>
+              <a:rPr lang="en-US" sz="1800" dirty="0">
+                <a:solidFill>
+                  <a:schemeClr val="dk1"/>
+                </a:solidFill>
                 <a:latin typeface="Century Gothic"/>
                 <a:ea typeface="Century Gothic"/>
                 <a:cs typeface="Century Gothic"/>
                 <a:sym typeface="Century Gothic"/>
               </a:rPr>
-              <a:t>nd </a:t>
-            </a:r>
-            <a:r>
-              <a:rPr lang="en-US" sz="1800">
+              <a:t>Yoni </a:t>
+            </a:r>
+            <a:r>
+              <a:rPr lang="en-US" sz="1800" dirty="0" err="1">
                 <a:solidFill>
                   <a:schemeClr val="dk1"/>
                 </a:solidFill>
@@ -19536,9 +19544,21 @@
                 <a:cs typeface="Century Gothic"/>
                 <a:sym typeface="Century Gothic"/>
               </a:rPr>
-              <a:t>Yoni Leibner</a:t>
-            </a:r>
-            <a:endParaRPr/>
+              <a:t>Leibner</a:t>
+            </a:r>
+            <a:r>
+              <a:rPr lang="en-US" sz="1800" dirty="0">
+                <a:solidFill>
+                  <a:schemeClr val="dk1"/>
+                </a:solidFill>
+                <a:latin typeface="Century Gothic"/>
+                <a:ea typeface="Century Gothic"/>
+                <a:cs typeface="Century Gothic"/>
+                <a:sym typeface="Century Gothic"/>
+              </a:rPr>
+              <a:t>, and András Ecker</a:t>
+            </a:r>
+            <a:endParaRPr dirty="0"/>
           </a:p>
           <a:p>
             <a:pPr marL="0" marR="0" lvl="0" indent="0" algn="l" rtl="0">
@@ -19551,7 +19571,7 @@
               <a:buNone/>
             </a:pPr>
             <a:r>
-              <a:rPr lang="en-US" sz="1800" u="sng">
+              <a:rPr lang="en-US" sz="1800" u="sng" dirty="0">
                 <a:solidFill>
                   <a:srgbClr val="2DA0F1"/>
                 </a:solidFill>
@@ -19564,11 +19584,11 @@
               <a:t>oren.amsalem1@mail.huji.ac.il</a:t>
             </a:r>
             <a:r>
-              <a:rPr lang="en-US"/>
+              <a:rPr lang="en-US" dirty="0"/>
               <a:t>, </a:t>
             </a:r>
             <a:r>
-              <a:rPr lang="en-US" sz="1800" u="sng">
+              <a:rPr lang="en-US" sz="1800" u="sng" dirty="0">
                 <a:solidFill>
                   <a:schemeClr val="hlink"/>
                 </a:solidFill>
@@ -19580,7 +19600,15 @@
               </a:rPr>
               <a:t>yoni.leibner@mail.huji.ac.il</a:t>
             </a:r>
-            <a:endParaRPr/>
+            <a:endParaRPr lang="en-US" sz="1800" u="sng" dirty="0">
+              <a:solidFill>
+                <a:schemeClr val="hlink"/>
+              </a:solidFill>
+              <a:latin typeface="Century Gothic"/>
+              <a:ea typeface="Century Gothic"/>
+              <a:cs typeface="Century Gothic"/>
+              <a:sym typeface="Century Gothic"/>
+            </a:endParaRPr>
           </a:p>
           <a:p>
             <a:pPr marL="0" marR="0" lvl="0" indent="0" algn="l" rtl="0">
@@ -19592,7 +19620,27 @@
               </a:spcAft>
               <a:buNone/>
             </a:pPr>
-            <a:endParaRPr/>
+            <a:r>
+              <a:rPr lang="en-US" sz="1800" u="sng" dirty="0">
+                <a:solidFill>
+                  <a:schemeClr val="hlink"/>
+                </a:solidFill>
+                <a:latin typeface="Century Gothic"/>
+                <a:sym typeface="Century Gothic"/>
+                <a:hlinkClick r:id="rId6"/>
+              </a:rPr>
+              <a:t>andras.ecker@epfl.ch</a:t>
+            </a:r>
+            <a:br>
+              <a:rPr lang="en-US" sz="1800" u="sng" dirty="0">
+                <a:solidFill>
+                  <a:schemeClr val="hlink"/>
+                </a:solidFill>
+                <a:latin typeface="Century Gothic"/>
+                <a:sym typeface="Century Gothic"/>
+              </a:rPr>
+            </a:br>
+            <a:endParaRPr dirty="0"/>
           </a:p>
           <a:p>
             <a:pPr marL="0" lvl="0" indent="0" algn="l" rtl="0">
@@ -19609,7 +19657,7 @@
               <a:buNone/>
             </a:pPr>
             <a:r>
-              <a:rPr lang="en-US" sz="1800">
+              <a:rPr lang="en-US" sz="1800" dirty="0" err="1">
                 <a:solidFill>
                   <a:schemeClr val="dk1"/>
                 </a:solidFill>
@@ -19618,9 +19666,45 @@
                 <a:cs typeface="Century Gothic"/>
                 <a:sym typeface="Century Gothic"/>
               </a:rPr>
-              <a:t>Idan Segev Lab</a:t>
-            </a:r>
-            <a:endParaRPr/>
+              <a:t>Idan</a:t>
+            </a:r>
+            <a:r>
+              <a:rPr lang="en-US" sz="1800" dirty="0">
+                <a:solidFill>
+                  <a:schemeClr val="dk1"/>
+                </a:solidFill>
+                <a:latin typeface="Century Gothic"/>
+                <a:ea typeface="Century Gothic"/>
+                <a:cs typeface="Century Gothic"/>
+                <a:sym typeface="Century Gothic"/>
+              </a:rPr>
+              <a:t> </a:t>
+            </a:r>
+            <a:r>
+              <a:rPr lang="en-US" sz="1800" dirty="0" err="1">
+                <a:solidFill>
+                  <a:schemeClr val="dk1"/>
+                </a:solidFill>
+                <a:latin typeface="Century Gothic"/>
+                <a:ea typeface="Century Gothic"/>
+                <a:cs typeface="Century Gothic"/>
+                <a:sym typeface="Century Gothic"/>
+              </a:rPr>
+              <a:t>Segev</a:t>
+            </a:r>
+            <a:r>
+              <a:rPr lang="en-US" sz="1800" dirty="0">
+                <a:solidFill>
+                  <a:schemeClr val="dk1"/>
+                </a:solidFill>
+                <a:latin typeface="Century Gothic"/>
+                <a:ea typeface="Century Gothic"/>
+                <a:cs typeface="Century Gothic"/>
+                <a:sym typeface="Century Gothic"/>
+              </a:rPr>
+              <a:t> Lab and the Blue Brain Project</a:t>
+            </a:r>
+            <a:endParaRPr dirty="0"/>
           </a:p>
           <a:p>
             <a:pPr marL="0" marR="0" lvl="0" indent="0" algn="l" rtl="0">
@@ -19632,7 +19716,7 @@
               </a:spcAft>
               <a:buNone/>
             </a:pPr>
-            <a:endParaRPr/>
+            <a:endParaRPr dirty="0"/>
           </a:p>
         </p:txBody>
       </p:sp>

--- a/NEURON_tutorial.pptx
+++ b/NEURON_tutorial.pptx
@@ -23939,7 +23939,19 @@
             </a:pPr>
             <a:r>
               <a:rPr lang="en-US" dirty="0"/>
-              <a:t>Neuron is written in C &amp; C++, the interface with the simulator is with HOC, but a python wrapper was build and now commonly used instead of HOC (NEURON is used as a python package). In addition  User-defined mechanisms such as voltage- and ligand-gated ion channels are used in order to expand NEURON (mod files, need to be compiled).</a:t>
+              <a:t>Neuron is written in C &amp; C++, the interface with the simulator is with HOC, but a Python wrapper was build and now commonly used instead of HOC (NEURON as a python package). In addition  User-defined mechanisms such as </a:t>
+            </a:r>
+            <a:r>
+              <a:rPr lang="en-US" dirty="0">
+                <a:solidFill>
+                  <a:srgbClr val="FF0000"/>
+                </a:solidFill>
+              </a:rPr>
+              <a:t>voltage- and ligand-gated ion channels</a:t>
+            </a:r>
+            <a:r>
+              <a:rPr lang="en-US" dirty="0"/>
+              <a:t> are used in order to expand NEURON (NMODL files, need to be compiled).</a:t>
             </a:r>
             <a:endParaRPr dirty="0"/>
           </a:p>
@@ -24017,7 +24029,7 @@
             </a:pPr>
             <a:r>
               <a:rPr lang="en-US" dirty="0"/>
-              <a:t>Ball and Stick model and a replication of a published result (</a:t>
+              <a:t>Ball and Stick model and the replication of a published result (</a:t>
             </a:r>
             <a:r>
               <a:rPr lang="en-US" dirty="0" err="1"/>
@@ -24045,8 +24057,16 @@
               <a:buChar char="o"/>
             </a:pPr>
             <a:r>
+              <a:rPr lang="en-US" dirty="0">
+                <a:solidFill>
+                  <a:srgbClr val="FF0000"/>
+                </a:solidFill>
+              </a:rPr>
+              <a:t>Multicompartmental</a:t>
+            </a:r>
+            <a:r>
               <a:rPr lang="en-US" dirty="0"/>
-              <a:t>Layer 5 Pyramidal cell and two replications of published results (Hay et al., Doron et al.)</a:t>
+              <a:t> L5 Pyramidal cell and two published results (Hay et al., Doron et al.)</a:t>
             </a:r>
             <a:endParaRPr dirty="0"/>
           </a:p>
@@ -24235,7 +24255,7 @@
             <a:r>
               <a:rPr lang="en-US" b="1" dirty="0">
                 <a:solidFill>
-                  <a:srgbClr val="FF0000"/>
+                  <a:srgbClr val="0070C0"/>
                 </a:solidFill>
               </a:rPr>
               <a:t>Section</a:t>
@@ -24262,12 +24282,28 @@
               <a:buChar char="o"/>
             </a:pPr>
             <a:r>
-              <a:rPr lang="en-US" b="1" dirty="0"/>
+              <a:rPr lang="en-US" b="1" dirty="0">
+                <a:solidFill>
+                  <a:srgbClr val="FF0000"/>
+                </a:solidFill>
+              </a:rPr>
               <a:t>Segment</a:t>
             </a:r>
             <a:r>
               <a:rPr lang="en-US" dirty="0"/>
-              <a:t> - one RC circuit that resemble (approximate) the computation in a piece of membrane.</a:t>
+              <a:t> - </a:t>
+            </a:r>
+            <a:r>
+              <a:rPr lang="en-US" dirty="0">
+                <a:solidFill>
+                  <a:srgbClr val="FF0000"/>
+                </a:solidFill>
+              </a:rPr>
+              <a:t>one RC circuit</a:t>
+            </a:r>
+            <a:r>
+              <a:rPr lang="en-US" dirty="0"/>
+              <a:t> that resemble (approximate) the computation in a piece of membrane.</a:t>
             </a:r>
             <a:endParaRPr dirty="0"/>
           </a:p>
@@ -24361,65 +24397,6 @@
               <a:buNone/>
             </a:pPr>
             <a:endParaRPr dirty="0"/>
-          </a:p>
-        </p:txBody>
-      </p:sp>
-      <p:sp>
-        <p:nvSpPr>
-          <p:cNvPr id="168" name="Google Shape;168;p21"/>
-          <p:cNvSpPr txBox="1"/>
-          <p:nvPr/>
-        </p:nvSpPr>
-        <p:spPr>
-          <a:xfrm>
-            <a:off x="8947446" y="0"/>
-            <a:ext cx="3220800" cy="369300"/>
-          </a:xfrm>
-          <a:prstGeom prst="rect">
-            <a:avLst/>
-          </a:prstGeom>
-          <a:noFill/>
-          <a:ln>
-            <a:noFill/>
-          </a:ln>
-        </p:spPr>
-        <p:txBody>
-          <a:bodyPr spcFirstLastPara="1" wrap="square" lIns="91425" tIns="45700" rIns="91425" bIns="45700" anchor="t" anchorCtr="0">
-            <a:noAutofit/>
-          </a:bodyPr>
-          <a:lstStyle/>
-          <a:p>
-            <a:pPr marL="0" marR="0" lvl="0" indent="0" algn="l" rtl="0">
-              <a:spcBef>
-                <a:spcPts val="0"/>
-              </a:spcBef>
-              <a:spcAft>
-                <a:spcPts val="0"/>
-              </a:spcAft>
-              <a:buNone/>
-            </a:pPr>
-            <a:r>
-              <a:rPr lang="en-US" sz="1800" u="sng">
-                <a:solidFill>
-                  <a:schemeClr val="hlink"/>
-                </a:solidFill>
-                <a:latin typeface="Century Gothic"/>
-                <a:ea typeface="Century Gothic"/>
-                <a:cs typeface="Century Gothic"/>
-                <a:sym typeface="Century Gothic"/>
-                <a:hlinkClick r:id="rId3"/>
-              </a:rPr>
-              <a:t>Read More About NEURON</a:t>
-            </a:r>
-            <a:endParaRPr sz="1800">
-              <a:solidFill>
-                <a:schemeClr val="dk1"/>
-              </a:solidFill>
-              <a:latin typeface="Century Gothic"/>
-              <a:ea typeface="Century Gothic"/>
-              <a:cs typeface="Century Gothic"/>
-              <a:sym typeface="Century Gothic"/>
-            </a:endParaRPr>
           </a:p>
         </p:txBody>
       </p:sp>
@@ -24430,7 +24407,7 @@
           <p:nvPr/>
         </p:nvPicPr>
         <p:blipFill>
-          <a:blip r:embed="rId4">
+          <a:blip r:embed="rId3">
             <a:alphaModFix/>
           </a:blip>
           <a:stretch>
@@ -24439,8 +24416,8 @@
         </p:blipFill>
         <p:spPr>
           <a:xfrm>
-            <a:off x="8276554" y="521700"/>
-            <a:ext cx="3279880" cy="6183900"/>
+            <a:off x="8778315" y="259050"/>
+            <a:ext cx="2945782" cy="5553990"/>
           </a:xfrm>
           <a:prstGeom prst="rect">
             <a:avLst/>
@@ -24459,7 +24436,7 @@
         </p:nvSpPr>
         <p:spPr>
           <a:xfrm rot="-579851">
-            <a:off x="10029239" y="2405647"/>
+            <a:off x="10351582" y="1929782"/>
             <a:ext cx="167984" cy="1210068"/>
           </a:xfrm>
           <a:prstGeom prst="roundRect">
@@ -24470,7 +24447,7 @@
           <a:noFill/>
           <a:ln w="9525" cap="flat" cmpd="sng">
             <a:solidFill>
-              <a:srgbClr val="FF0000"/>
+              <a:srgbClr val="0070C0"/>
             </a:solidFill>
             <a:prstDash val="solid"/>
             <a:round/>
@@ -24493,7 +24470,11 @@
               </a:spcAft>
               <a:buNone/>
             </a:pPr>
-            <a:endParaRPr/>
+            <a:endParaRPr>
+              <a:solidFill>
+                <a:srgbClr val="0070C0"/>
+              </a:solidFill>
+            </a:endParaRPr>
           </a:p>
         </p:txBody>
       </p:sp>
